--- a/Lesson-6_2.pptx
+++ b/Lesson-6_2.pptx
@@ -2926,9 +2926,15 @@
         </p:nvSpPr>
         <p:spPr/>
         <p:txBody>
-          <a:bodyPr/>
-          <a:p>
-            <a:endParaRPr lang="en-US"/>
+          <a:bodyPr>
+            <a:noAutofit/>
+          </a:bodyPr>
+          <a:p>
+            <a:r>
+              <a:rPr lang="en-US" altLang="en-US" sz="4000"/>
+              <a:t>https://github.com/McLight-Note/Machine_Learning_Programming/blob/main/6_Lesson_2.ipynb</a:t>
+            </a:r>
+            <a:endParaRPr lang="en-US" altLang="en-US" sz="4000"/>
           </a:p>
         </p:txBody>
       </p:sp>
